--- a/slide pi.pptx
+++ b/slide pi.pptx
@@ -320,8 +320,7 @@
 <file path=ppt/revisionInfo.xml><?xml version="1.0" encoding="utf-8"?>
 <p1510:revInfo xmlns:a="http://schemas.openxmlformats.org/drawingml/2006/main" xmlns:r="http://schemas.openxmlformats.org/officeDocument/2006/relationships" xmlns:p1510="http://schemas.microsoft.com/office/powerpoint/2015/10/main">
   <p1510:revLst>
-    <p1510:client id="{8660C15C-1798-4A3A-9826-A2DEF63259E4}" v="15" dt="2021-03-07T22:41:51.309"/>
-    <p1510:client id="{B425F1DE-3A03-4EE9-9D71-017A26C203DD}" v="315" dt="2021-03-07T18:38:39.386"/>
+    <p1510:client id="{C1B59492-DC1A-4B3A-86F0-556732D7BB21}" v="1" dt="2021-03-09T18:52:10.570"/>
   </p1510:revLst>
 </p1510:revInfo>
 </file>
@@ -598,6 +597,45 @@
             <ac:picMk id="4" creationId="{030131D1-1CF9-465C-BF0E-2527A5523283}"/>
           </ac:picMkLst>
         </pc:picChg>
+      </pc:sldChg>
+    </pc:docChg>
+  </pc:docChgLst>
+  <pc:docChgLst>
+    <pc:chgData name="Pedro Henrique Klein de Almeida" userId="2d15c7026afea1dc" providerId="LiveId" clId="{C1B59492-DC1A-4B3A-86F0-556732D7BB21}"/>
+    <pc:docChg chg="custSel modSld">
+      <pc:chgData name="Pedro Henrique Klein de Almeida" userId="2d15c7026afea1dc" providerId="LiveId" clId="{C1B59492-DC1A-4B3A-86F0-556732D7BB21}" dt="2021-03-09T18:52:55.911" v="15" actId="20577"/>
+      <pc:docMkLst>
+        <pc:docMk/>
+      </pc:docMkLst>
+      <pc:sldChg chg="modSp mod">
+        <pc:chgData name="Pedro Henrique Klein de Almeida" userId="2d15c7026afea1dc" providerId="LiveId" clId="{C1B59492-DC1A-4B3A-86F0-556732D7BB21}" dt="2021-03-09T18:50:27.424" v="9" actId="20577"/>
+        <pc:sldMkLst>
+          <pc:docMk/>
+          <pc:sldMk cId="0" sldId="258"/>
+        </pc:sldMkLst>
+        <pc:spChg chg="mod">
+          <ac:chgData name="Pedro Henrique Klein de Almeida" userId="2d15c7026afea1dc" providerId="LiveId" clId="{C1B59492-DC1A-4B3A-86F0-556732D7BB21}" dt="2021-03-09T18:50:27.424" v="9" actId="20577"/>
+          <ac:spMkLst>
+            <pc:docMk/>
+            <pc:sldMk cId="0" sldId="258"/>
+            <ac:spMk id="162" creationId="{00000000-0000-0000-0000-000000000000}"/>
+          </ac:spMkLst>
+        </pc:spChg>
+      </pc:sldChg>
+      <pc:sldChg chg="modSp mod">
+        <pc:chgData name="Pedro Henrique Klein de Almeida" userId="2d15c7026afea1dc" providerId="LiveId" clId="{C1B59492-DC1A-4B3A-86F0-556732D7BB21}" dt="2021-03-09T18:52:55.911" v="15" actId="20577"/>
+        <pc:sldMkLst>
+          <pc:docMk/>
+          <pc:sldMk cId="3999652898" sldId="286"/>
+        </pc:sldMkLst>
+        <pc:spChg chg="mod">
+          <ac:chgData name="Pedro Henrique Klein de Almeida" userId="2d15c7026afea1dc" providerId="LiveId" clId="{C1B59492-DC1A-4B3A-86F0-556732D7BB21}" dt="2021-03-09T18:52:55.911" v="15" actId="20577"/>
+          <ac:spMkLst>
+            <pc:docMk/>
+            <pc:sldMk cId="3999652898" sldId="286"/>
+            <ac:spMk id="3" creationId="{C0475109-7880-4C4A-B506-591DD68380BA}"/>
+          </ac:spMkLst>
+        </pc:spChg>
       </pc:sldChg>
     </pc:docChg>
   </pc:docChgLst>
@@ -14944,7 +14982,7 @@
                 <a:cs typeface="Kulim Park"/>
                 <a:sym typeface="Kulim Park"/>
               </a:rPr>
-              <a:t>A Tec`Chicken é uma startup fintech com foco no bem estar de sua produção granjeia</a:t>
+              <a:t>A Tec`Chicken é uma startup fintech com foco no bem estar de sua produção granjeira</a:t>
             </a:r>
             <a:endParaRPr b="1" dirty="0"/>
           </a:p>
@@ -15562,7 +15600,7 @@
                 <a:latin typeface="Arial" panose="020B0604020202020204" pitchFamily="34" charset="0"/>
                 <a:ea typeface="Yu Mincho" panose="02020400000000000000" pitchFamily="18" charset="-128"/>
               </a:rPr>
-              <a:t>Apenas em São Paulo ,mais de </a:t>
+              <a:t>Apenas em São Paulo, mais de </a:t>
             </a:r>
             <a:r>
               <a:rPr lang="pt-BR" sz="1800" dirty="0">
